--- a/docs/PID、QP和Lattice算法在ACC工况下效果对比.pptx
+++ b/docs/PID、QP和Lattice算法在ACC工况下效果对比.pptx
@@ -273,7 +273,7 @@
           <a:p>
             <a:fld id="{E536FC9A-E10F-431D-ACA6-490FCA37BA7E}" type="datetimeFigureOut">
               <a:rPr lang="zh-CN" altLang="en-US" smtClean="0"/>
-              <a:t>2022/11/19</a:t>
+              <a:t>2022/12/16</a:t>
             </a:fld>
             <a:endParaRPr lang="zh-CN" altLang="en-US"/>
           </a:p>
@@ -471,7 +471,7 @@
           <a:p>
             <a:fld id="{E536FC9A-E10F-431D-ACA6-490FCA37BA7E}" type="datetimeFigureOut">
               <a:rPr lang="zh-CN" altLang="en-US" smtClean="0"/>
-              <a:t>2022/11/19</a:t>
+              <a:t>2022/12/16</a:t>
             </a:fld>
             <a:endParaRPr lang="zh-CN" altLang="en-US"/>
           </a:p>
@@ -679,7 +679,7 @@
           <a:p>
             <a:fld id="{E536FC9A-E10F-431D-ACA6-490FCA37BA7E}" type="datetimeFigureOut">
               <a:rPr lang="zh-CN" altLang="en-US" smtClean="0"/>
-              <a:t>2022/11/19</a:t>
+              <a:t>2022/12/16</a:t>
             </a:fld>
             <a:endParaRPr lang="zh-CN" altLang="en-US"/>
           </a:p>
@@ -877,7 +877,7 @@
           <a:p>
             <a:fld id="{E536FC9A-E10F-431D-ACA6-490FCA37BA7E}" type="datetimeFigureOut">
               <a:rPr lang="zh-CN" altLang="en-US" smtClean="0"/>
-              <a:t>2022/11/19</a:t>
+              <a:t>2022/12/16</a:t>
             </a:fld>
             <a:endParaRPr lang="zh-CN" altLang="en-US"/>
           </a:p>
@@ -1152,7 +1152,7 @@
           <a:p>
             <a:fld id="{E536FC9A-E10F-431D-ACA6-490FCA37BA7E}" type="datetimeFigureOut">
               <a:rPr lang="zh-CN" altLang="en-US" smtClean="0"/>
-              <a:t>2022/11/19</a:t>
+              <a:t>2022/12/16</a:t>
             </a:fld>
             <a:endParaRPr lang="zh-CN" altLang="en-US"/>
           </a:p>
@@ -1417,7 +1417,7 @@
           <a:p>
             <a:fld id="{E536FC9A-E10F-431D-ACA6-490FCA37BA7E}" type="datetimeFigureOut">
               <a:rPr lang="zh-CN" altLang="en-US" smtClean="0"/>
-              <a:t>2022/11/19</a:t>
+              <a:t>2022/12/16</a:t>
             </a:fld>
             <a:endParaRPr lang="zh-CN" altLang="en-US"/>
           </a:p>
@@ -1829,7 +1829,7 @@
           <a:p>
             <a:fld id="{E536FC9A-E10F-431D-ACA6-490FCA37BA7E}" type="datetimeFigureOut">
               <a:rPr lang="zh-CN" altLang="en-US" smtClean="0"/>
-              <a:t>2022/11/19</a:t>
+              <a:t>2022/12/16</a:t>
             </a:fld>
             <a:endParaRPr lang="zh-CN" altLang="en-US"/>
           </a:p>
@@ -1970,7 +1970,7 @@
           <a:p>
             <a:fld id="{E536FC9A-E10F-431D-ACA6-490FCA37BA7E}" type="datetimeFigureOut">
               <a:rPr lang="zh-CN" altLang="en-US" smtClean="0"/>
-              <a:t>2022/11/19</a:t>
+              <a:t>2022/12/16</a:t>
             </a:fld>
             <a:endParaRPr lang="zh-CN" altLang="en-US"/>
           </a:p>
@@ -2083,7 +2083,7 @@
           <a:p>
             <a:fld id="{E536FC9A-E10F-431D-ACA6-490FCA37BA7E}" type="datetimeFigureOut">
               <a:rPr lang="zh-CN" altLang="en-US" smtClean="0"/>
-              <a:t>2022/11/19</a:t>
+              <a:t>2022/12/16</a:t>
             </a:fld>
             <a:endParaRPr lang="zh-CN" altLang="en-US"/>
           </a:p>
@@ -2394,7 +2394,7 @@
           <a:p>
             <a:fld id="{E536FC9A-E10F-431D-ACA6-490FCA37BA7E}" type="datetimeFigureOut">
               <a:rPr lang="zh-CN" altLang="en-US" smtClean="0"/>
-              <a:t>2022/11/19</a:t>
+              <a:t>2022/12/16</a:t>
             </a:fld>
             <a:endParaRPr lang="zh-CN" altLang="en-US"/>
           </a:p>
@@ -2682,7 +2682,7 @@
           <a:p>
             <a:fld id="{E536FC9A-E10F-431D-ACA6-490FCA37BA7E}" type="datetimeFigureOut">
               <a:rPr lang="zh-CN" altLang="en-US" smtClean="0"/>
-              <a:t>2022/11/19</a:t>
+              <a:t>2022/12/16</a:t>
             </a:fld>
             <a:endParaRPr lang="zh-CN" altLang="en-US"/>
           </a:p>
@@ -2923,7 +2923,7 @@
           <a:p>
             <a:fld id="{E536FC9A-E10F-431D-ACA6-490FCA37BA7E}" type="datetimeFigureOut">
               <a:rPr lang="zh-CN" altLang="en-US" smtClean="0"/>
-              <a:t>2022/11/19</a:t>
+              <a:t>2022/12/16</a:t>
             </a:fld>
             <a:endParaRPr lang="zh-CN" altLang="en-US"/>
           </a:p>
@@ -11661,7 +11661,7 @@
         <p:spPr>
           <a:xfrm>
             <a:off x="740779" y="2898792"/>
-            <a:ext cx="10925295" cy="526363"/>
+            <a:ext cx="10925295" cy="529632"/>
           </a:xfrm>
           <a:prstGeom prst="rect">
             <a:avLst/>
@@ -11762,42 +11762,130 @@
                 <a:latin typeface="Times New Roman" panose="02020603050405020304" pitchFamily="18" charset="0"/>
                 <a:cs typeface="Times New Roman" panose="02020603050405020304" pitchFamily="18" charset="0"/>
               </a:rPr>
-              <a:t>的结果，但是</a:t>
+              <a:t>的结果</a:t>
             </a:r>
             <a:r>
-              <a:rPr lang="zh-CN" altLang="en-US" sz="1000" b="1" dirty="0">
+              <a:rPr lang="en-US" altLang="zh-CN" sz="1000" dirty="0">
                 <a:solidFill>
-                  <a:srgbClr val="FF0000"/>
+                  <a:schemeClr val="dk1"/>
                 </a:solidFill>
+                <a:latin typeface="Times New Roman" panose="02020603050405020304" pitchFamily="18" charset="0"/>
+                <a:cs typeface="Times New Roman" panose="02020603050405020304" pitchFamily="18" charset="0"/>
+              </a:rPr>
+              <a:t>(QP</a:t>
+            </a:r>
+            <a:r>
+              <a:rPr lang="zh-CN" altLang="en-US" sz="1000" dirty="0">
+                <a:solidFill>
+                  <a:schemeClr val="dk1"/>
+                </a:solidFill>
+                <a:latin typeface="Times New Roman" panose="02020603050405020304" pitchFamily="18" charset="0"/>
+                <a:cs typeface="Times New Roman" panose="02020603050405020304" pitchFamily="18" charset="0"/>
+              </a:rPr>
+              <a:t>和</a:t>
+            </a:r>
+            <a:r>
+              <a:rPr lang="en-US" altLang="zh-CN" sz="1000" dirty="0">
+                <a:solidFill>
+                  <a:schemeClr val="dk1"/>
+                </a:solidFill>
+                <a:latin typeface="Times New Roman" panose="02020603050405020304" pitchFamily="18" charset="0"/>
+                <a:cs typeface="Times New Roman" panose="02020603050405020304" pitchFamily="18" charset="0"/>
+              </a:rPr>
+              <a:t>Lattice</a:t>
+            </a:r>
+            <a:r>
+              <a:rPr lang="zh-CN" altLang="en-US" sz="1000" dirty="0">
+                <a:solidFill>
+                  <a:schemeClr val="dk1"/>
+                </a:solidFill>
+                <a:latin typeface="Times New Roman" panose="02020603050405020304" pitchFamily="18" charset="0"/>
+                <a:cs typeface="Times New Roman" panose="02020603050405020304" pitchFamily="18" charset="0"/>
+              </a:rPr>
+              <a:t>的</a:t>
+            </a:r>
+            <a:r>
+              <a:rPr lang="en-US" altLang="zh-CN" sz="1000" dirty="0">
+                <a:solidFill>
+                  <a:schemeClr val="dk1"/>
+                </a:solidFill>
+                <a:latin typeface="Times New Roman" panose="02020603050405020304" pitchFamily="18" charset="0"/>
+                <a:cs typeface="Times New Roman" panose="02020603050405020304" pitchFamily="18" charset="0"/>
+              </a:rPr>
+              <a:t>cost</a:t>
+            </a:r>
+            <a:r>
+              <a:rPr lang="zh-CN" altLang="en-US" sz="1000" dirty="0">
+                <a:solidFill>
+                  <a:schemeClr val="dk1"/>
+                </a:solidFill>
+                <a:latin typeface="Times New Roman" panose="02020603050405020304" pitchFamily="18" charset="0"/>
+                <a:cs typeface="Times New Roman" panose="02020603050405020304" pitchFamily="18" charset="0"/>
+              </a:rPr>
+              <a:t>评价不一样，最好是一致</a:t>
+            </a:r>
+            <a:r>
+              <a:rPr lang="en-US" altLang="zh-CN" sz="1000" dirty="0">
+                <a:solidFill>
+                  <a:schemeClr val="dk1"/>
+                </a:solidFill>
+                <a:latin typeface="Times New Roman" panose="02020603050405020304" pitchFamily="18" charset="0"/>
+                <a:cs typeface="Times New Roman" panose="02020603050405020304" pitchFamily="18" charset="0"/>
+              </a:rPr>
+              <a:t>cost</a:t>
+            </a:r>
+            <a:r>
+              <a:rPr lang="zh-CN" altLang="en-US" sz="1000" dirty="0">
+                <a:solidFill>
+                  <a:schemeClr val="dk1"/>
+                </a:solidFill>
+                <a:latin typeface="Times New Roman" panose="02020603050405020304" pitchFamily="18" charset="0"/>
+                <a:cs typeface="Times New Roman" panose="02020603050405020304" pitchFamily="18" charset="0"/>
+              </a:rPr>
+              <a:t>对比，懒！</a:t>
+            </a:r>
+            <a:r>
+              <a:rPr lang="en-US" altLang="zh-CN" sz="1000" dirty="0">
+                <a:solidFill>
+                  <a:schemeClr val="dk1"/>
+                </a:solidFill>
+                <a:latin typeface="Times New Roman" panose="02020603050405020304" pitchFamily="18" charset="0"/>
+                <a:cs typeface="Times New Roman" panose="02020603050405020304" pitchFamily="18" charset="0"/>
+              </a:rPr>
+              <a:t>)</a:t>
+            </a:r>
+            <a:r>
+              <a:rPr lang="zh-CN" altLang="en-US" sz="1000" dirty="0">
+                <a:solidFill>
+                  <a:schemeClr val="dk1"/>
+                </a:solidFill>
+                <a:latin typeface="Times New Roman" panose="02020603050405020304" pitchFamily="18" charset="0"/>
+                <a:cs typeface="Times New Roman" panose="02020603050405020304" pitchFamily="18" charset="0"/>
+              </a:rPr>
+              <a:t>，但是</a:t>
+            </a:r>
+            <a:r>
+              <a:rPr lang="zh-CN" altLang="en-US" sz="1000" dirty="0">
                 <a:latin typeface="Times New Roman" panose="02020603050405020304" pitchFamily="18" charset="0"/>
                 <a:cs typeface="Times New Roman" panose="02020603050405020304" pitchFamily="18" charset="0"/>
               </a:rPr>
               <a:t>使用新的采样策略重新计算工况</a:t>
             </a:r>
             <a:r>
-              <a:rPr lang="en-US" altLang="zh-CN" sz="1000" b="1" dirty="0">
-                <a:solidFill>
-                  <a:srgbClr val="FF0000"/>
-                </a:solidFill>
+              <a:rPr lang="en-US" altLang="zh-CN" sz="1000" dirty="0">
                 <a:latin typeface="Times New Roman" panose="02020603050405020304" pitchFamily="18" charset="0"/>
                 <a:cs typeface="Times New Roman" panose="02020603050405020304" pitchFamily="18" charset="0"/>
               </a:rPr>
               <a:t>2</a:t>
             </a:r>
             <a:r>
-              <a:rPr lang="zh-CN" altLang="en-US" sz="1000" b="1" dirty="0">
-                <a:solidFill>
-                  <a:srgbClr val="FF0000"/>
-                </a:solidFill>
+              <a:rPr lang="zh-CN" altLang="en-US" sz="1000" dirty="0">
                 <a:latin typeface="Times New Roman" panose="02020603050405020304" pitchFamily="18" charset="0"/>
                 <a:cs typeface="Times New Roman" panose="02020603050405020304" pitchFamily="18" charset="0"/>
               </a:rPr>
-              <a:t>时，竟然没有得到满足约束的轨迹！奇怪！</a:t>
+              <a:t>时，和原采样策略效果一致。可见采样策略并非对所有工况有提升。</a:t>
             </a:r>
-            <a:endParaRPr lang="en-US" altLang="zh-CN" sz="1000" b="1" i="0" u="none" strike="noStrike" kern="1200" baseline="0" dirty="0">
-              <a:solidFill>
-                <a:srgbClr val="FF0000"/>
-              </a:solidFill>
+            <a:endParaRPr lang="en-US" altLang="zh-CN" sz="1000" dirty="0">
               <a:latin typeface="Times New Roman" panose="02020603050405020304" pitchFamily="18" charset="0"/>
               <a:cs typeface="Times New Roman" panose="02020603050405020304" pitchFamily="18" charset="0"/>
             </a:endParaRPr>
@@ -11806,10 +11894,10 @@
       </p:sp>
       <p:pic>
         <p:nvPicPr>
-          <p:cNvPr id="15" name="图片 14">
+          <p:cNvPr id="3" name="图片 2">
             <a:extLst>
               <a:ext uri="{FF2B5EF4-FFF2-40B4-BE49-F238E27FC236}">
-                <a16:creationId xmlns:a16="http://schemas.microsoft.com/office/drawing/2014/main" id="{9D0A9631-628D-F8EB-0535-4FCC18D2131B}"/>
+                <a16:creationId xmlns:a16="http://schemas.microsoft.com/office/drawing/2014/main" id="{96C95EA4-31B2-F2BB-CCEB-8F95C4F53498}"/>
               </a:ext>
             </a:extLst>
           </p:cNvPr>
@@ -11832,8 +11920,8 @@
         </p:blipFill>
         <p:spPr>
           <a:xfrm>
-            <a:off x="0" y="3429000"/>
-            <a:ext cx="5760000" cy="2916000"/>
+            <a:off x="0" y="3470031"/>
+            <a:ext cx="5760000" cy="3346200"/>
           </a:xfrm>
           <a:prstGeom prst="rect">
             <a:avLst/>
@@ -11842,10 +11930,10 @@
       </p:pic>
       <p:pic>
         <p:nvPicPr>
-          <p:cNvPr id="17" name="图片 16">
+          <p:cNvPr id="6" name="图片 5">
             <a:extLst>
               <a:ext uri="{FF2B5EF4-FFF2-40B4-BE49-F238E27FC236}">
-                <a16:creationId xmlns:a16="http://schemas.microsoft.com/office/drawing/2014/main" id="{4C4C7E30-8402-7C34-FE59-B09361131AC3}"/>
+                <a16:creationId xmlns:a16="http://schemas.microsoft.com/office/drawing/2014/main" id="{264775D6-8306-C37F-204A-6D31364F7FF1}"/>
               </a:ext>
             </a:extLst>
           </p:cNvPr>
@@ -11868,8 +11956,8 @@
         </p:blipFill>
         <p:spPr>
           <a:xfrm>
-            <a:off x="6432000" y="3429000"/>
-            <a:ext cx="5760000" cy="2916000"/>
+            <a:off x="6432000" y="3470031"/>
+            <a:ext cx="5760000" cy="3346200"/>
           </a:xfrm>
           <a:prstGeom prst="rect">
             <a:avLst/>
@@ -17978,7 +18066,7 @@
               <a:t>bug</a:t>
             </a:r>
             <a:r>
-              <a:rPr lang="zh-CN" altLang="en-US" sz="1000">
+              <a:rPr lang="zh-CN" altLang="en-US" sz="1000" dirty="0">
                 <a:solidFill>
                   <a:schemeClr val="dk1"/>
                 </a:solidFill>
